--- a/20180330-VMonopoly.pptx
+++ b/20180330-VMonopoly.pptx
@@ -249,7 +249,7 @@
           <a:p>
             <a:fld id="{0BDB3A38-D8C0-4E6A-88A0-30BEFC762995}" type="datetimeFigureOut">
               <a:rPr lang="en-US" smtClean="0"/>
-              <a:t>5/3/2018</a:t>
+              <a:t>5/8/2018</a:t>
             </a:fld>
             <a:endParaRPr lang="en-US"/>
           </a:p>
@@ -419,7 +419,7 @@
           <a:p>
             <a:fld id="{0BDB3A38-D8C0-4E6A-88A0-30BEFC762995}" type="datetimeFigureOut">
               <a:rPr lang="en-US" smtClean="0"/>
-              <a:t>5/3/2018</a:t>
+              <a:t>5/8/2018</a:t>
             </a:fld>
             <a:endParaRPr lang="en-US"/>
           </a:p>
@@ -599,7 +599,7 @@
           <a:p>
             <a:fld id="{0BDB3A38-D8C0-4E6A-88A0-30BEFC762995}" type="datetimeFigureOut">
               <a:rPr lang="en-US" smtClean="0"/>
-              <a:t>5/3/2018</a:t>
+              <a:t>5/8/2018</a:t>
             </a:fld>
             <a:endParaRPr lang="en-US"/>
           </a:p>
@@ -769,7 +769,7 @@
           <a:p>
             <a:fld id="{0BDB3A38-D8C0-4E6A-88A0-30BEFC762995}" type="datetimeFigureOut">
               <a:rPr lang="en-US" smtClean="0"/>
-              <a:t>5/3/2018</a:t>
+              <a:t>5/8/2018</a:t>
             </a:fld>
             <a:endParaRPr lang="en-US"/>
           </a:p>
@@ -1015,7 +1015,7 @@
           <a:p>
             <a:fld id="{0BDB3A38-D8C0-4E6A-88A0-30BEFC762995}" type="datetimeFigureOut">
               <a:rPr lang="en-US" smtClean="0"/>
-              <a:t>5/3/2018</a:t>
+              <a:t>5/8/2018</a:t>
             </a:fld>
             <a:endParaRPr lang="en-US"/>
           </a:p>
@@ -1247,7 +1247,7 @@
           <a:p>
             <a:fld id="{0BDB3A38-D8C0-4E6A-88A0-30BEFC762995}" type="datetimeFigureOut">
               <a:rPr lang="en-US" smtClean="0"/>
-              <a:t>5/3/2018</a:t>
+              <a:t>5/8/2018</a:t>
             </a:fld>
             <a:endParaRPr lang="en-US"/>
           </a:p>
@@ -1614,7 +1614,7 @@
           <a:p>
             <a:fld id="{0BDB3A38-D8C0-4E6A-88A0-30BEFC762995}" type="datetimeFigureOut">
               <a:rPr lang="en-US" smtClean="0"/>
-              <a:t>5/3/2018</a:t>
+              <a:t>5/8/2018</a:t>
             </a:fld>
             <a:endParaRPr lang="en-US"/>
           </a:p>
@@ -1732,7 +1732,7 @@
           <a:p>
             <a:fld id="{0BDB3A38-D8C0-4E6A-88A0-30BEFC762995}" type="datetimeFigureOut">
               <a:rPr lang="en-US" smtClean="0"/>
-              <a:t>5/3/2018</a:t>
+              <a:t>5/8/2018</a:t>
             </a:fld>
             <a:endParaRPr lang="en-US"/>
           </a:p>
@@ -1827,7 +1827,7 @@
           <a:p>
             <a:fld id="{0BDB3A38-D8C0-4E6A-88A0-30BEFC762995}" type="datetimeFigureOut">
               <a:rPr lang="en-US" smtClean="0"/>
-              <a:t>5/3/2018</a:t>
+              <a:t>5/8/2018</a:t>
             </a:fld>
             <a:endParaRPr lang="en-US"/>
           </a:p>
@@ -2104,7 +2104,7 @@
           <a:p>
             <a:fld id="{0BDB3A38-D8C0-4E6A-88A0-30BEFC762995}" type="datetimeFigureOut">
               <a:rPr lang="en-US" smtClean="0"/>
-              <a:t>5/3/2018</a:t>
+              <a:t>5/8/2018</a:t>
             </a:fld>
             <a:endParaRPr lang="en-US"/>
           </a:p>
@@ -2357,7 +2357,7 @@
           <a:p>
             <a:fld id="{0BDB3A38-D8C0-4E6A-88A0-30BEFC762995}" type="datetimeFigureOut">
               <a:rPr lang="en-US" smtClean="0"/>
-              <a:t>5/3/2018</a:t>
+              <a:t>5/8/2018</a:t>
             </a:fld>
             <a:endParaRPr lang="en-US"/>
           </a:p>
@@ -2570,7 +2570,7 @@
           <a:p>
             <a:fld id="{0BDB3A38-D8C0-4E6A-88A0-30BEFC762995}" type="datetimeFigureOut">
               <a:rPr lang="en-US" smtClean="0"/>
-              <a:t>5/3/2018</a:t>
+              <a:t>5/8/2018</a:t>
             </a:fld>
             <a:endParaRPr lang="en-US"/>
           </a:p>
@@ -3157,11 +3157,7 @@
           <a:p>
             <a:r>
               <a:rPr lang="zh-CN" altLang="en-US" sz="3200" dirty="0" smtClean="0"/>
-              <a:t>是一款游</a:t>
-            </a:r>
-            <a:r>
-              <a:rPr lang="zh-CN" altLang="en-US" sz="3200" dirty="0" smtClean="0"/>
-              <a:t>戏 （</a:t>
+              <a:t>是一款游戏 （</a:t>
             </a:r>
             <a:r>
               <a:rPr lang="en-US" altLang="zh-CN" sz="3200" dirty="0" err="1" smtClean="0"/>
